--- a/Xames.pptx
+++ b/Xames.pptx
@@ -3312,7 +3312,6 @@
               <a:rPr lang="en-US" dirty="0"/>
               <a:t>make your opponent take the last object</a:t>
             </a:r>
-            <a:endParaRPr lang="en-US" dirty="0"/>
           </a:p>
         </p:txBody>
       </p:sp>
@@ -3495,14 +3494,18 @@
           <a:lstStyle/>
           <a:p>
             <a:r>
+              <a:rPr lang="en-US" dirty="0"/>
+              <a:t>Option – single / multi player</a:t>
+            </a:r>
+          </a:p>
+          <a:p>
+            <a:r>
               <a:rPr lang="en-US" dirty="0" smtClean="0"/>
-              <a:t>Multi player</a:t>
-            </a:r>
-          </a:p>
-          <a:p>
+              <a:t>Turn </a:t>
+            </a:r>
             <a:r>
               <a:rPr lang="en-US" dirty="0" smtClean="0"/>
-              <a:t>Turn - </a:t>
+              <a:t>- </a:t>
             </a:r>
             <a:r>
               <a:rPr lang="en-US" dirty="0"/>
@@ -3530,7 +3533,6 @@
               <a:rPr lang="en-US" dirty="0"/>
               <a:t>to create a situation, where the opponent always exceeds the given value</a:t>
             </a:r>
-            <a:endParaRPr lang="en-US" dirty="0"/>
           </a:p>
         </p:txBody>
       </p:sp>
@@ -4129,8 +4131,19 @@
           <a:p>
             <a:r>
               <a:rPr lang="en-US" dirty="0" smtClean="0"/>
-              <a:t>No sleep</a:t>
-            </a:r>
+              <a:t>No </a:t>
+            </a:r>
+            <a:r>
+              <a:rPr lang="en-US" dirty="0" smtClean="0"/>
+              <a:t>sleep</a:t>
+            </a:r>
+          </a:p>
+          <a:p>
+            <a:r>
+              <a:rPr lang="en-US" dirty="0" smtClean="0"/>
+              <a:t>An old book</a:t>
+            </a:r>
+            <a:endParaRPr lang="en-US" dirty="0" smtClean="0"/>
           </a:p>
         </p:txBody>
       </p:sp>

--- a/Xames.pptx
+++ b/Xames.pptx
@@ -3312,7 +3312,6 @@
               <a:rPr lang="en-US" dirty="0"/>
               <a:t>make your opponent take the last object</a:t>
             </a:r>
-            <a:endParaRPr lang="en-US" dirty="0"/>
           </a:p>
         </p:txBody>
       </p:sp>
@@ -3344,6 +3343,20 @@
           <a:prstGeom prst="rect">
             <a:avLst/>
           </a:prstGeom>
+          <a:ln w="38100" cap="sq">
+            <a:solidFill>
+              <a:srgbClr val="000000"/>
+            </a:solidFill>
+            <a:prstDash val="solid"/>
+            <a:miter lim="800000"/>
+          </a:ln>
+          <a:effectLst>
+            <a:outerShdw blurRad="50800" dist="38100" dir="2700000" algn="tl" rotWithShape="0">
+              <a:srgbClr val="000000">
+                <a:alpha val="43000"/>
+              </a:srgbClr>
+            </a:outerShdw>
+          </a:effectLst>
         </p:spPr>
       </p:pic>
     </p:spTree>
@@ -3530,7 +3543,6 @@
               <a:rPr lang="en-US" dirty="0"/>
               <a:t>to create a situation, where the opponent always exceeds the given value</a:t>
             </a:r>
-            <a:endParaRPr lang="en-US" dirty="0"/>
           </a:p>
         </p:txBody>
       </p:sp>
@@ -3562,6 +3574,20 @@
           <a:prstGeom prst="rect">
             <a:avLst/>
           </a:prstGeom>
+          <a:ln w="38100" cap="sq">
+            <a:solidFill>
+              <a:srgbClr val="000000"/>
+            </a:solidFill>
+            <a:prstDash val="solid"/>
+            <a:miter lim="800000"/>
+          </a:ln>
+          <a:effectLst>
+            <a:outerShdw blurRad="50800" dist="38100" dir="2700000" algn="tl" rotWithShape="0">
+              <a:srgbClr val="000000">
+                <a:alpha val="43000"/>
+              </a:srgbClr>
+            </a:outerShdw>
+          </a:effectLst>
         </p:spPr>
       </p:pic>
     </p:spTree>
@@ -3796,6 +3822,20 @@
           <a:prstGeom prst="rect">
             <a:avLst/>
           </a:prstGeom>
+          <a:ln w="38100" cap="sq">
+            <a:solidFill>
+              <a:srgbClr val="000000"/>
+            </a:solidFill>
+            <a:prstDash val="solid"/>
+            <a:miter lim="800000"/>
+          </a:ln>
+          <a:effectLst>
+            <a:outerShdw blurRad="50800" dist="38100" dir="2700000" algn="tl" rotWithShape="0">
+              <a:srgbClr val="000000">
+                <a:alpha val="43000"/>
+              </a:srgbClr>
+            </a:outerShdw>
+          </a:effectLst>
         </p:spPr>
       </p:pic>
     </p:spTree>
@@ -3946,8 +3986,38 @@
               <a:buNone/>
             </a:pPr>
             <a:r>
+              <a:rPr lang="en-US" sz="4400" i="1" dirty="0" smtClean="0"/>
+              <a:t>Topic: </a:t>
+            </a:r>
+            <a:r>
               <a:rPr lang="en-US" sz="4400" dirty="0" smtClean="0"/>
-              <a:t>Topic: Digital Past    VS.    Product: </a:t>
+              <a:t>Digital </a:t>
+            </a:r>
+            <a:r>
+              <a:rPr lang="en-US" sz="4400" dirty="0" smtClean="0"/>
+              <a:t>Past    </a:t>
+            </a:r>
+            <a:r>
+              <a:rPr lang="en-US" sz="5400" dirty="0" smtClean="0">
+                <a:blipFill dpi="0" rotWithShape="1">
+                  <a:blip r:embed="rId2"/>
+                  <a:srcRect/>
+                  <a:tile tx="0" ty="0" sx="100000" sy="100000" flip="none" algn="ctr"/>
+                </a:blipFill>
+              </a:rPr>
+              <a:t>VS.</a:t>
+            </a:r>
+            <a:r>
+              <a:rPr lang="en-US" sz="4400" dirty="0" smtClean="0"/>
+              <a:t>    </a:t>
+            </a:r>
+            <a:r>
+              <a:rPr lang="en-US" sz="4400" i="1" dirty="0" smtClean="0"/>
+              <a:t>Product:</a:t>
+            </a:r>
+            <a:r>
+              <a:rPr lang="en-US" sz="4400" dirty="0" smtClean="0"/>
+              <a:t> </a:t>
             </a:r>
             <a:r>
               <a:rPr lang="en-US" sz="4400" dirty="0" err="1" smtClean="0"/>
@@ -4129,8 +4199,19 @@
           <a:p>
             <a:r>
               <a:rPr lang="en-US" dirty="0" smtClean="0"/>
-              <a:t>No sleep</a:t>
-            </a:r>
+              <a:t>No </a:t>
+            </a:r>
+            <a:r>
+              <a:rPr lang="en-US" dirty="0" smtClean="0"/>
+              <a:t>sleep</a:t>
+            </a:r>
+          </a:p>
+          <a:p>
+            <a:r>
+              <a:rPr lang="en-US" smtClean="0"/>
+              <a:t>An old book</a:t>
+            </a:r>
+            <a:endParaRPr lang="en-US" dirty="0" smtClean="0"/>
           </a:p>
         </p:txBody>
       </p:sp>

--- a/Xames.pptx
+++ b/Xames.pptx
@@ -3991,11 +3991,7 @@
             </a:r>
             <a:r>
               <a:rPr lang="en-US" sz="4400" dirty="0" smtClean="0"/>
-              <a:t>Digital </a:t>
-            </a:r>
-            <a:r>
-              <a:rPr lang="en-US" sz="4400" dirty="0" smtClean="0"/>
-              <a:t>Past    </a:t>
+              <a:t>Digital Past    </a:t>
             </a:r>
             <a:r>
               <a:rPr lang="en-US" sz="5400" dirty="0" smtClean="0">
@@ -4158,7 +4154,7 @@
         </p:nvSpPr>
         <p:spPr>
           <a:xfrm>
-            <a:off x="1147156" y="1825625"/>
+            <a:off x="1521229" y="2017213"/>
             <a:ext cx="10206644" cy="4351338"/>
           </a:xfrm>
           <a:noFill/>
@@ -4167,12 +4163,28 @@
           <a:bodyPr/>
           <a:lstStyle/>
           <a:p>
+            <a:pPr>
+              <a:spcBef>
+                <a:spcPts val="1200"/>
+              </a:spcBef>
+              <a:spcAft>
+                <a:spcPts val="600"/>
+              </a:spcAft>
+            </a:pPr>
             <a:r>
               <a:rPr lang="en-US" dirty="0" smtClean="0"/>
               <a:t>Written on Java / Android Studio</a:t>
             </a:r>
           </a:p>
           <a:p>
+            <a:pPr>
+              <a:spcBef>
+                <a:spcPts val="1200"/>
+              </a:spcBef>
+              <a:spcAft>
+                <a:spcPts val="600"/>
+              </a:spcAft>
+            </a:pPr>
             <a:r>
               <a:rPr lang="en-US" dirty="0"/>
               <a:t>Used  </a:t>
@@ -4191,25 +4203,55 @@
             </a:r>
           </a:p>
           <a:p>
+            <a:pPr>
+              <a:spcBef>
+                <a:spcPts val="1200"/>
+              </a:spcBef>
+              <a:spcAft>
+                <a:spcPts val="600"/>
+              </a:spcAft>
+            </a:pPr>
+            <a:r>
+              <a:rPr lang="en-US" dirty="0"/>
+              <a:t>An old </a:t>
+            </a:r>
             <a:r>
               <a:rPr lang="en-US" dirty="0" smtClean="0"/>
-              <a:t>A lot of Coffee</a:t>
-            </a:r>
-          </a:p>
-          <a:p>
+              <a:t>book</a:t>
+            </a:r>
+            <a:endParaRPr lang="en-US" dirty="0"/>
+          </a:p>
+          <a:p>
+            <a:pPr>
+              <a:spcBef>
+                <a:spcPts val="1200"/>
+              </a:spcBef>
+              <a:spcAft>
+                <a:spcPts val="600"/>
+              </a:spcAft>
+            </a:pPr>
             <a:r>
               <a:rPr lang="en-US" dirty="0" smtClean="0"/>
-              <a:t>No </a:t>
-            </a:r>
+              <a:t>A lot </a:t>
+            </a:r>
+            <a:r>
+              <a:rPr lang="en-US" smtClean="0"/>
+              <a:t>of Coffee</a:t>
+            </a:r>
+            <a:endParaRPr lang="en-US" dirty="0" smtClean="0"/>
+          </a:p>
+          <a:p>
+            <a:pPr>
+              <a:spcBef>
+                <a:spcPts val="1200"/>
+              </a:spcBef>
+              <a:spcAft>
+                <a:spcPts val="600"/>
+              </a:spcAft>
+            </a:pPr>
             <a:r>
               <a:rPr lang="en-US" dirty="0" smtClean="0"/>
-              <a:t>sleep</a:t>
-            </a:r>
-          </a:p>
-          <a:p>
-            <a:r>
-              <a:rPr lang="en-US" smtClean="0"/>
-              <a:t>An old book</a:t>
+              <a:t>Sleep--;</a:t>
             </a:r>
             <a:endParaRPr lang="en-US" dirty="0" smtClean="0"/>
           </a:p>
